--- a/figures/figure2.pptx
+++ b/figures/figure2.pptx
@@ -104,6 +104,11 @@
       </a:defRPr>
     </a:lvl9pPr>
   </p:defaultTextStyle>
+  <p:extLst>
+    <p:ext uri="{EFAFB233-063F-42B5-8137-9DF3F51BA10A}">
+      <p15:sldGuideLst xmlns:p15="http://schemas.microsoft.com/office/powerpoint/2012/main"/>
+    </p:ext>
+  </p:extLst>
 </p:presentation>
 </file>
 
@@ -254,7 +259,7 @@
           <a:p>
             <a:fld id="{F7F79345-709F-4149-9277-0486DBFABD93}" type="datetimeFigureOut">
               <a:rPr kumimoji="1" lang="zh-TW" altLang="en-US" smtClean="0"/>
-              <a:t>2021/6/27</a:t>
+              <a:t>2022/1/4</a:t>
             </a:fld>
             <a:endParaRPr kumimoji="1" lang="zh-TW" altLang="en-US"/>
           </a:p>
@@ -452,7 +457,7 @@
           <a:p>
             <a:fld id="{F7F79345-709F-4149-9277-0486DBFABD93}" type="datetimeFigureOut">
               <a:rPr kumimoji="1" lang="zh-TW" altLang="en-US" smtClean="0"/>
-              <a:t>2021/6/27</a:t>
+              <a:t>2022/1/4</a:t>
             </a:fld>
             <a:endParaRPr kumimoji="1" lang="zh-TW" altLang="en-US"/>
           </a:p>
@@ -660,7 +665,7 @@
           <a:p>
             <a:fld id="{F7F79345-709F-4149-9277-0486DBFABD93}" type="datetimeFigureOut">
               <a:rPr kumimoji="1" lang="zh-TW" altLang="en-US" smtClean="0"/>
-              <a:t>2021/6/27</a:t>
+              <a:t>2022/1/4</a:t>
             </a:fld>
             <a:endParaRPr kumimoji="1" lang="zh-TW" altLang="en-US"/>
           </a:p>
@@ -858,7 +863,7 @@
           <a:p>
             <a:fld id="{F7F79345-709F-4149-9277-0486DBFABD93}" type="datetimeFigureOut">
               <a:rPr kumimoji="1" lang="zh-TW" altLang="en-US" smtClean="0"/>
-              <a:t>2021/6/27</a:t>
+              <a:t>2022/1/4</a:t>
             </a:fld>
             <a:endParaRPr kumimoji="1" lang="zh-TW" altLang="en-US"/>
           </a:p>
@@ -1133,7 +1138,7 @@
           <a:p>
             <a:fld id="{F7F79345-709F-4149-9277-0486DBFABD93}" type="datetimeFigureOut">
               <a:rPr kumimoji="1" lang="zh-TW" altLang="en-US" smtClean="0"/>
-              <a:t>2021/6/27</a:t>
+              <a:t>2022/1/4</a:t>
             </a:fld>
             <a:endParaRPr kumimoji="1" lang="zh-TW" altLang="en-US"/>
           </a:p>
@@ -1398,7 +1403,7 @@
           <a:p>
             <a:fld id="{F7F79345-709F-4149-9277-0486DBFABD93}" type="datetimeFigureOut">
               <a:rPr kumimoji="1" lang="zh-TW" altLang="en-US" smtClean="0"/>
-              <a:t>2021/6/27</a:t>
+              <a:t>2022/1/4</a:t>
             </a:fld>
             <a:endParaRPr kumimoji="1" lang="zh-TW" altLang="en-US"/>
           </a:p>
@@ -1810,7 +1815,7 @@
           <a:p>
             <a:fld id="{F7F79345-709F-4149-9277-0486DBFABD93}" type="datetimeFigureOut">
               <a:rPr kumimoji="1" lang="zh-TW" altLang="en-US" smtClean="0"/>
-              <a:t>2021/6/27</a:t>
+              <a:t>2022/1/4</a:t>
             </a:fld>
             <a:endParaRPr kumimoji="1" lang="zh-TW" altLang="en-US"/>
           </a:p>
@@ -1951,7 +1956,7 @@
           <a:p>
             <a:fld id="{F7F79345-709F-4149-9277-0486DBFABD93}" type="datetimeFigureOut">
               <a:rPr kumimoji="1" lang="zh-TW" altLang="en-US" smtClean="0"/>
-              <a:t>2021/6/27</a:t>
+              <a:t>2022/1/4</a:t>
             </a:fld>
             <a:endParaRPr kumimoji="1" lang="zh-TW" altLang="en-US"/>
           </a:p>
@@ -2064,7 +2069,7 @@
           <a:p>
             <a:fld id="{F7F79345-709F-4149-9277-0486DBFABD93}" type="datetimeFigureOut">
               <a:rPr kumimoji="1" lang="zh-TW" altLang="en-US" smtClean="0"/>
-              <a:t>2021/6/27</a:t>
+              <a:t>2022/1/4</a:t>
             </a:fld>
             <a:endParaRPr kumimoji="1" lang="zh-TW" altLang="en-US"/>
           </a:p>
@@ -2375,7 +2380,7 @@
           <a:p>
             <a:fld id="{F7F79345-709F-4149-9277-0486DBFABD93}" type="datetimeFigureOut">
               <a:rPr kumimoji="1" lang="zh-TW" altLang="en-US" smtClean="0"/>
-              <a:t>2021/6/27</a:t>
+              <a:t>2022/1/4</a:t>
             </a:fld>
             <a:endParaRPr kumimoji="1" lang="zh-TW" altLang="en-US"/>
           </a:p>
@@ -2663,7 +2668,7 @@
           <a:p>
             <a:fld id="{F7F79345-709F-4149-9277-0486DBFABD93}" type="datetimeFigureOut">
               <a:rPr kumimoji="1" lang="zh-TW" altLang="en-US" smtClean="0"/>
-              <a:t>2021/6/27</a:t>
+              <a:t>2022/1/4</a:t>
             </a:fld>
             <a:endParaRPr kumimoji="1" lang="zh-TW" altLang="en-US"/>
           </a:p>
@@ -2904,7 +2909,7 @@
           <a:p>
             <a:fld id="{F7F79345-709F-4149-9277-0486DBFABD93}" type="datetimeFigureOut">
               <a:rPr kumimoji="1" lang="zh-TW" altLang="en-US" smtClean="0"/>
-              <a:t>2021/6/27</a:t>
+              <a:t>2022/1/4</a:t>
             </a:fld>
             <a:endParaRPr kumimoji="1" lang="zh-TW" altLang="en-US"/>
           </a:p>
@@ -3335,7 +3340,7 @@
         </p:nvGrpSpPr>
         <p:grpSpPr>
           <a:xfrm>
-            <a:off x="4585574" y="3283527"/>
+            <a:off x="4585573" y="3234439"/>
             <a:ext cx="1125271" cy="442360"/>
             <a:chOff x="4389120" y="3025834"/>
             <a:chExt cx="1125271" cy="442360"/>
@@ -3423,7 +3428,7 @@
             <a:p>
               <a:pPr algn="ctr"/>
               <a:r>
-                <a:rPr kumimoji="1" lang="zh-TW" altLang="en-US" dirty="0">
+                <a:rPr kumimoji="1" lang="zh-TW" altLang="en-US" b="1" dirty="0">
                   <a:latin typeface="SimSun" panose="02010600030101010101" pitchFamily="2" charset="-122"/>
                   <a:ea typeface="SimSun" panose="02010600030101010101" pitchFamily="2" charset="-122"/>
                 </a:rPr>
@@ -3449,7 +3454,7 @@
         </p:nvCxnSpPr>
         <p:spPr>
           <a:xfrm>
-            <a:off x="2972724" y="2876204"/>
+            <a:off x="2972724" y="2825870"/>
             <a:ext cx="5511338" cy="0"/>
           </a:xfrm>
           <a:prstGeom prst="line">
@@ -3493,7 +3498,7 @@
         </p:nvCxnSpPr>
         <p:spPr>
           <a:xfrm>
-            <a:off x="3005976" y="4051070"/>
+            <a:off x="3005976" y="4067848"/>
             <a:ext cx="5511338" cy="0"/>
           </a:xfrm>
           <a:prstGeom prst="line">
@@ -3535,7 +3540,7 @@
         </p:nvSpPr>
         <p:spPr>
           <a:xfrm>
-            <a:off x="2479540" y="2856321"/>
+            <a:off x="2713660" y="2871739"/>
             <a:ext cx="2593853" cy="292388"/>
           </a:xfrm>
           <a:prstGeom prst="rect">
@@ -3555,14 +3560,14 @@
                 <a:latin typeface="SimSun" panose="02010600030101010101" pitchFamily="2" charset="-122"/>
                 <a:ea typeface="SimSun" panose="02010600030101010101" pitchFamily="2" charset="-122"/>
               </a:rPr>
-              <a:t>地方</a:t>
-            </a:r>
-            <a:r>
-              <a:rPr kumimoji="1" lang="zh-TW" altLang="en-US" sz="1300" b="1">
+              <a:t>地方政府的</a:t>
+            </a:r>
+            <a:r>
+              <a:rPr kumimoji="1" lang="zh-CN" altLang="en-US" sz="1300" b="1" dirty="0">
                 <a:latin typeface="SimSun" panose="02010600030101010101" pitchFamily="2" charset="-122"/>
                 <a:ea typeface="SimSun" panose="02010600030101010101" pitchFamily="2" charset="-122"/>
               </a:rPr>
-              <a:t>政府的自主性空间</a:t>
+              <a:t>“治理能力空间”</a:t>
             </a:r>
             <a:endParaRPr kumimoji="1" lang="zh-TW" altLang="en-US" sz="1300" b="1" dirty="0">
               <a:latin typeface="SimSun" panose="02010600030101010101" pitchFamily="2" charset="-122"/>
@@ -3585,7 +3590,7 @@
         </p:nvGrpSpPr>
         <p:grpSpPr>
           <a:xfrm>
-            <a:off x="3460303" y="942108"/>
+            <a:off x="3453232" y="1402595"/>
             <a:ext cx="1125271" cy="442360"/>
             <a:chOff x="4389120" y="3025834"/>
             <a:chExt cx="1125271" cy="442360"/>
@@ -3673,7 +3678,7 @@
             <a:p>
               <a:pPr algn="ctr"/>
               <a:r>
-                <a:rPr kumimoji="1" lang="zh-TW" altLang="en-US" dirty="0">
+                <a:rPr kumimoji="1" lang="zh-TW" altLang="en-US" b="1" dirty="0">
                   <a:latin typeface="SimSun" panose="02010600030101010101" pitchFamily="2" charset="-122"/>
                   <a:ea typeface="SimSun" panose="02010600030101010101" pitchFamily="2" charset="-122"/>
                 </a:rPr>
@@ -3697,7 +3702,7 @@
         </p:nvGrpSpPr>
         <p:grpSpPr>
           <a:xfrm>
-            <a:off x="3460303" y="5454936"/>
+            <a:off x="3447952" y="5013045"/>
             <a:ext cx="1125271" cy="442360"/>
             <a:chOff x="4389120" y="3025834"/>
             <a:chExt cx="1125271" cy="442360"/>
@@ -3785,7 +3790,7 @@
             <a:p>
               <a:pPr algn="ctr"/>
               <a:r>
-                <a:rPr kumimoji="1" lang="zh-TW" altLang="en-US" dirty="0">
+                <a:rPr kumimoji="1" lang="zh-TW" altLang="en-US" b="1" dirty="0">
                   <a:latin typeface="SimSun" panose="02010600030101010101" pitchFamily="2" charset="-122"/>
                   <a:ea typeface="SimSun" panose="02010600030101010101" pitchFamily="2" charset="-122"/>
                 </a:rPr>
@@ -3809,7 +3814,7 @@
         </p:nvGrpSpPr>
         <p:grpSpPr>
           <a:xfrm>
-            <a:off x="5599445" y="942108"/>
+            <a:off x="5599443" y="1406108"/>
             <a:ext cx="1125271" cy="442360"/>
             <a:chOff x="4389120" y="3025834"/>
             <a:chExt cx="1125271" cy="442360"/>
@@ -3897,7 +3902,7 @@
             <a:p>
               <a:pPr algn="ctr"/>
               <a:r>
-                <a:rPr kumimoji="1" lang="zh-TW" altLang="en-US" dirty="0">
+                <a:rPr kumimoji="1" lang="zh-TW" altLang="en-US" b="1" dirty="0">
                   <a:latin typeface="SimSun" panose="02010600030101010101" pitchFamily="2" charset="-122"/>
                   <a:ea typeface="SimSun" panose="02010600030101010101" pitchFamily="2" charset="-122"/>
                 </a:rPr>
@@ -3909,10 +3914,10 @@
       </p:grpSp>
       <p:sp>
         <p:nvSpPr>
-          <p:cNvPr id="30" name="向下箭號 29">
-            <a:extLst>
-              <a:ext uri="{FF2B5EF4-FFF2-40B4-BE49-F238E27FC236}">
-                <a16:creationId xmlns:a16="http://schemas.microsoft.com/office/drawing/2014/main" id="{5636F136-645D-6248-A6EC-D98C047364BD}"/>
+          <p:cNvPr id="31" name="向下箭號 30">
+            <a:extLst>
+              <a:ext uri="{FF2B5EF4-FFF2-40B4-BE49-F238E27FC236}">
+                <a16:creationId xmlns:a16="http://schemas.microsoft.com/office/drawing/2014/main" id="{05371801-D09D-BA42-8681-B4F0B1BC7462}"/>
               </a:ext>
             </a:extLst>
           </p:cNvPr>
@@ -3920,20 +3925,28 @@
           <p:nvPr/>
         </p:nvSpPr>
         <p:spPr>
-          <a:xfrm rot="10800000">
-            <a:off x="3834233" y="4432072"/>
+          <a:xfrm>
+            <a:off x="3828953" y="1992420"/>
             <a:ext cx="363272" cy="739832"/>
           </a:xfrm>
           <a:prstGeom prst="downArrow">
             <a:avLst/>
           </a:prstGeom>
-          <a:solidFill>
-            <a:schemeClr val="tx1"/>
-          </a:solidFill>
-          <a:ln>
+          <a:pattFill prst="dkUpDiag">
+            <a:fgClr>
+              <a:schemeClr val="bg2">
+                <a:lumMod val="25000"/>
+              </a:schemeClr>
+            </a:fgClr>
+            <a:bgClr>
+              <a:schemeClr val="bg1"/>
+            </a:bgClr>
+          </a:pattFill>
+          <a:ln w="31750">
             <a:solidFill>
               <a:schemeClr val="tx1"/>
             </a:solidFill>
+            <a:prstDash val="sysDash"/>
           </a:ln>
         </p:spPr>
         <p:style>
@@ -3957,295 +3970,7 @@
           <a:lstStyle/>
           <a:p>
             <a:pPr algn="ctr"/>
-            <a:endParaRPr kumimoji="1" lang="zh-TW" altLang="en-US"/>
-          </a:p>
-        </p:txBody>
-      </p:sp>
-      <p:sp>
-        <p:nvSpPr>
-          <p:cNvPr id="31" name="向下箭號 30">
-            <a:extLst>
-              <a:ext uri="{FF2B5EF4-FFF2-40B4-BE49-F238E27FC236}">
-                <a16:creationId xmlns:a16="http://schemas.microsoft.com/office/drawing/2014/main" id="{05371801-D09D-BA42-8681-B4F0B1BC7462}"/>
-              </a:ext>
-            </a:extLst>
-          </p:cNvPr>
-          <p:cNvSpPr/>
-          <p:nvPr/>
-        </p:nvSpPr>
-        <p:spPr>
-          <a:xfrm>
-            <a:off x="3834233" y="1740537"/>
-            <a:ext cx="363272" cy="739832"/>
-          </a:xfrm>
-          <a:prstGeom prst="downArrow">
-            <a:avLst/>
-          </a:prstGeom>
-          <a:solidFill>
-            <a:schemeClr val="tx1"/>
-          </a:solidFill>
-          <a:ln>
-            <a:solidFill>
-              <a:schemeClr val="tx1"/>
-            </a:solidFill>
-          </a:ln>
-        </p:spPr>
-        <p:style>
-          <a:lnRef idx="2">
-            <a:schemeClr val="accent1">
-              <a:shade val="50000"/>
-            </a:schemeClr>
-          </a:lnRef>
-          <a:fillRef idx="1">
-            <a:schemeClr val="accent1"/>
-          </a:fillRef>
-          <a:effectRef idx="0">
-            <a:schemeClr val="accent1"/>
-          </a:effectRef>
-          <a:fontRef idx="minor">
-            <a:schemeClr val="lt1"/>
-          </a:fontRef>
-        </p:style>
-        <p:txBody>
-          <a:bodyPr rtlCol="0" anchor="ctr"/>
-          <a:lstStyle/>
-          <a:p>
-            <a:pPr algn="ctr"/>
-            <a:endParaRPr kumimoji="1" lang="zh-TW" altLang="en-US"/>
-          </a:p>
-        </p:txBody>
-      </p:sp>
-      <p:sp>
-        <p:nvSpPr>
-          <p:cNvPr id="32" name="向下箭號 31">
-            <a:extLst>
-              <a:ext uri="{FF2B5EF4-FFF2-40B4-BE49-F238E27FC236}">
-                <a16:creationId xmlns:a16="http://schemas.microsoft.com/office/drawing/2014/main" id="{79539242-C65E-EA45-856B-F85F111F0B31}"/>
-              </a:ext>
-            </a:extLst>
-          </p:cNvPr>
-          <p:cNvSpPr/>
-          <p:nvPr/>
-        </p:nvSpPr>
-        <p:spPr>
-          <a:xfrm>
-            <a:off x="5980444" y="1740537"/>
-            <a:ext cx="363272" cy="739832"/>
-          </a:xfrm>
-          <a:prstGeom prst="downArrow">
-            <a:avLst/>
-          </a:prstGeom>
-          <a:solidFill>
-            <a:schemeClr val="tx1"/>
-          </a:solidFill>
-          <a:ln>
-            <a:solidFill>
-              <a:schemeClr val="tx1"/>
-            </a:solidFill>
-          </a:ln>
-        </p:spPr>
-        <p:style>
-          <a:lnRef idx="2">
-            <a:schemeClr val="accent1">
-              <a:shade val="50000"/>
-            </a:schemeClr>
-          </a:lnRef>
-          <a:fillRef idx="1">
-            <a:schemeClr val="accent1"/>
-          </a:fillRef>
-          <a:effectRef idx="0">
-            <a:schemeClr val="accent1"/>
-          </a:effectRef>
-          <a:fontRef idx="minor">
-            <a:schemeClr val="lt1"/>
-          </a:fontRef>
-        </p:style>
-        <p:txBody>
-          <a:bodyPr rtlCol="0" anchor="ctr"/>
-          <a:lstStyle/>
-          <a:p>
-            <a:pPr algn="ctr"/>
-            <a:endParaRPr kumimoji="1" lang="zh-TW" altLang="en-US"/>
-          </a:p>
-        </p:txBody>
-      </p:sp>
-      <p:sp>
-        <p:nvSpPr>
-          <p:cNvPr id="35" name="文字方塊 34">
-            <a:extLst>
-              <a:ext uri="{FF2B5EF4-FFF2-40B4-BE49-F238E27FC236}">
-                <a16:creationId xmlns:a16="http://schemas.microsoft.com/office/drawing/2014/main" id="{02B5725C-200A-D64B-978E-395A377E2766}"/>
-              </a:ext>
-            </a:extLst>
-          </p:cNvPr>
-          <p:cNvSpPr txBox="1"/>
-          <p:nvPr/>
-        </p:nvSpPr>
-        <p:spPr>
-          <a:xfrm>
-            <a:off x="4171462" y="1813010"/>
-            <a:ext cx="1803861" cy="461665"/>
-          </a:xfrm>
-          <a:prstGeom prst="rect">
-            <a:avLst/>
-          </a:prstGeom>
-          <a:noFill/>
-        </p:spPr>
-        <p:txBody>
-          <a:bodyPr wrap="square" rtlCol="0">
-            <a:spAutoFit/>
-          </a:bodyPr>
-          <a:lstStyle/>
-          <a:p>
-            <a:r>
-              <a:rPr kumimoji="1" lang="zh-TW" altLang="en-US" sz="800" dirty="0"/>
-              <a:t>数量化的任务分解机制各部门共同</a:t>
-            </a:r>
-            <a:endParaRPr kumimoji="1" lang="en-US" altLang="zh-TW" sz="800" dirty="0"/>
-          </a:p>
-          <a:p>
-            <a:r>
-              <a:rPr kumimoji="1" lang="zh-TW" altLang="en-US" sz="800" dirty="0"/>
-              <a:t>参与的问题解决机制</a:t>
-            </a:r>
-            <a:endParaRPr kumimoji="1" lang="en-US" altLang="zh-TW" sz="800" dirty="0"/>
-          </a:p>
-          <a:p>
-            <a:r>
-              <a:rPr kumimoji="1" lang="zh-TW" altLang="en-US" sz="800" dirty="0"/>
-              <a:t>物质化的多层次评价体系</a:t>
-            </a:r>
-          </a:p>
-        </p:txBody>
-      </p:sp>
-      <p:sp>
-        <p:nvSpPr>
-          <p:cNvPr id="36" name="文字方塊 35">
-            <a:extLst>
-              <a:ext uri="{FF2B5EF4-FFF2-40B4-BE49-F238E27FC236}">
-                <a16:creationId xmlns:a16="http://schemas.microsoft.com/office/drawing/2014/main" id="{0672A0CD-0113-B842-B699-9A71460F9F41}"/>
-              </a:ext>
-            </a:extLst>
-          </p:cNvPr>
-          <p:cNvSpPr txBox="1"/>
-          <p:nvPr/>
-        </p:nvSpPr>
-        <p:spPr>
-          <a:xfrm>
-            <a:off x="6343716" y="1852831"/>
-            <a:ext cx="1062924" cy="338554"/>
-          </a:xfrm>
-          <a:prstGeom prst="rect">
-            <a:avLst/>
-          </a:prstGeom>
-          <a:noFill/>
-        </p:spPr>
-        <p:txBody>
-          <a:bodyPr wrap="square" rtlCol="0">
-            <a:spAutoFit/>
-          </a:bodyPr>
-          <a:lstStyle/>
-          <a:p>
-            <a:r>
-              <a:rPr kumimoji="1" lang="zh-TW" altLang="en-US" sz="800" dirty="0"/>
-              <a:t>竞争锦标赛</a:t>
-            </a:r>
-            <a:endParaRPr kumimoji="1" lang="en-US" altLang="zh-TW" sz="800" dirty="0"/>
-          </a:p>
-          <a:p>
-            <a:r>
-              <a:rPr kumimoji="1" lang="zh-TW" altLang="en-US" sz="800" dirty="0"/>
-              <a:t>目标多元</a:t>
-            </a:r>
-          </a:p>
-        </p:txBody>
-      </p:sp>
-      <p:sp>
-        <p:nvSpPr>
-          <p:cNvPr id="37" name="文字方塊 36">
-            <a:extLst>
-              <a:ext uri="{FF2B5EF4-FFF2-40B4-BE49-F238E27FC236}">
-                <a16:creationId xmlns:a16="http://schemas.microsoft.com/office/drawing/2014/main" id="{7F7F29C7-CD70-5649-AAE4-EBFCA709C0CC}"/>
-              </a:ext>
-            </a:extLst>
-          </p:cNvPr>
-          <p:cNvSpPr txBox="1"/>
-          <p:nvPr/>
-        </p:nvSpPr>
-        <p:spPr>
-          <a:xfrm>
-            <a:off x="4197505" y="4632711"/>
-            <a:ext cx="1062924" cy="215444"/>
-          </a:xfrm>
-          <a:prstGeom prst="rect">
-            <a:avLst/>
-          </a:prstGeom>
-          <a:noFill/>
-        </p:spPr>
-        <p:txBody>
-          <a:bodyPr wrap="square" rtlCol="0">
-            <a:spAutoFit/>
-          </a:bodyPr>
-          <a:lstStyle/>
-          <a:p>
-            <a:r>
-              <a:rPr kumimoji="1" lang="zh-TW" altLang="en-US" sz="800" dirty="0"/>
-              <a:t>政府回应性</a:t>
-            </a:r>
-          </a:p>
-        </p:txBody>
-      </p:sp>
-      <p:sp>
-        <p:nvSpPr>
-          <p:cNvPr id="42" name="向下箭號 41">
-            <a:extLst>
-              <a:ext uri="{FF2B5EF4-FFF2-40B4-BE49-F238E27FC236}">
-                <a16:creationId xmlns:a16="http://schemas.microsoft.com/office/drawing/2014/main" id="{674C777A-C8C9-314E-AD92-BBFF131841CB}"/>
-              </a:ext>
-            </a:extLst>
-          </p:cNvPr>
-          <p:cNvSpPr/>
-          <p:nvPr/>
-        </p:nvSpPr>
-        <p:spPr>
-          <a:xfrm rot="16200000">
-            <a:off x="6101906" y="3239667"/>
-            <a:ext cx="254192" cy="507357"/>
-          </a:xfrm>
-          <a:prstGeom prst="downArrow">
-            <a:avLst/>
-          </a:prstGeom>
-          <a:solidFill>
-            <a:schemeClr val="bg1"/>
-          </a:solidFill>
-          <a:ln>
-            <a:solidFill>
-              <a:schemeClr val="tx1"/>
-            </a:solidFill>
-          </a:ln>
-        </p:spPr>
-        <p:style>
-          <a:lnRef idx="2">
-            <a:schemeClr val="accent1">
-              <a:shade val="50000"/>
-            </a:schemeClr>
-          </a:lnRef>
-          <a:fillRef idx="1">
-            <a:schemeClr val="accent1"/>
-          </a:fillRef>
-          <a:effectRef idx="0">
-            <a:schemeClr val="accent1"/>
-          </a:effectRef>
-          <a:fontRef idx="minor">
-            <a:schemeClr val="lt1"/>
-          </a:fontRef>
-        </p:style>
-        <p:txBody>
-          <a:bodyPr rtlCol="0" anchor="ctr"/>
-          <a:lstStyle/>
-          <a:p>
-            <a:pPr algn="ctr"/>
-            <a:endParaRPr kumimoji="1" lang="zh-TW" altLang="en-US"/>
+            <a:endParaRPr kumimoji="1" lang="zh-TW" altLang="en-US" dirty="0"/>
           </a:p>
         </p:txBody>
       </p:sp>
@@ -4263,8 +3988,8 @@
         </p:nvGrpSpPr>
         <p:grpSpPr>
           <a:xfrm>
-            <a:off x="6739770" y="3235908"/>
-            <a:ext cx="1125271" cy="455526"/>
+            <a:off x="6485300" y="3227856"/>
+            <a:ext cx="1634209" cy="455526"/>
             <a:chOff x="4389120" y="3025834"/>
             <a:chExt cx="1125271" cy="442360"/>
           </a:xfrm>
@@ -4336,7 +4061,7 @@
           <p:spPr>
             <a:xfrm>
               <a:off x="4389120" y="3043044"/>
-              <a:ext cx="1125271" cy="369332"/>
+              <a:ext cx="1125271" cy="358657"/>
             </a:xfrm>
             <a:prstGeom prst="rect">
               <a:avLst/>
@@ -4351,11 +4076,11 @@
             <a:p>
               <a:pPr algn="ctr"/>
               <a:r>
-                <a:rPr kumimoji="1" lang="zh-TW" altLang="en-US" dirty="0">
+                <a:rPr kumimoji="1" lang="zh-TW" altLang="en-US" b="1" dirty="0">
                   <a:latin typeface="SimSun" panose="02010600030101010101" pitchFamily="2" charset="-122"/>
                   <a:ea typeface="SimSun" panose="02010600030101010101" pitchFamily="2" charset="-122"/>
                 </a:rPr>
-                <a:t>治理能力</a:t>
+                <a:t>地方治理能力</a:t>
               </a:r>
             </a:p>
           </p:txBody>
@@ -4363,10 +4088,10 @@
       </p:grpSp>
       <p:sp>
         <p:nvSpPr>
-          <p:cNvPr id="46" name="向下箭號 45">
-            <a:extLst>
-              <a:ext uri="{FF2B5EF4-FFF2-40B4-BE49-F238E27FC236}">
-                <a16:creationId xmlns:a16="http://schemas.microsoft.com/office/drawing/2014/main" id="{EFA25A7A-7085-A444-BEA8-118A3EAFF18A}"/>
+          <p:cNvPr id="33" name="向下箭號 30">
+            <a:extLst>
+              <a:ext uri="{FF2B5EF4-FFF2-40B4-BE49-F238E27FC236}">
+                <a16:creationId xmlns:a16="http://schemas.microsoft.com/office/drawing/2014/main" id="{A7D20D93-522E-9A40-B4AD-9F728A3B0F93}"/>
               </a:ext>
             </a:extLst>
           </p:cNvPr>
@@ -4374,16 +4099,131 @@
           <p:nvPr/>
         </p:nvSpPr>
         <p:spPr>
-          <a:xfrm rot="10800000">
-            <a:off x="7120769" y="2883222"/>
-            <a:ext cx="363272" cy="337470"/>
+          <a:xfrm rot="16200000">
+            <a:off x="4907337" y="1253859"/>
+            <a:ext cx="363272" cy="739832"/>
           </a:xfrm>
           <a:prstGeom prst="downArrow">
             <a:avLst/>
           </a:prstGeom>
           <a:solidFill>
-            <a:schemeClr val="tx1"/>
+            <a:schemeClr val="bg1"/>
           </a:solidFill>
+          <a:ln w="31750">
+            <a:solidFill>
+              <a:schemeClr val="tx1"/>
+            </a:solidFill>
+            <a:prstDash val="sysDash"/>
+          </a:ln>
+        </p:spPr>
+        <p:style>
+          <a:lnRef idx="2">
+            <a:schemeClr val="accent1">
+              <a:shade val="50000"/>
+            </a:schemeClr>
+          </a:lnRef>
+          <a:fillRef idx="1">
+            <a:schemeClr val="accent1"/>
+          </a:fillRef>
+          <a:effectRef idx="0">
+            <a:schemeClr val="accent1"/>
+          </a:effectRef>
+          <a:fontRef idx="minor">
+            <a:schemeClr val="lt1"/>
+          </a:fontRef>
+        </p:style>
+        <p:txBody>
+          <a:bodyPr rtlCol="0" anchor="ctr"/>
+          <a:lstStyle/>
+          <a:p>
+            <a:pPr algn="ctr"/>
+            <a:endParaRPr kumimoji="1" lang="zh-TW" altLang="en-US" dirty="0"/>
+          </a:p>
+        </p:txBody>
+      </p:sp>
+      <p:sp>
+        <p:nvSpPr>
+          <p:cNvPr id="39" name="向下箭號 30">
+            <a:extLst>
+              <a:ext uri="{FF2B5EF4-FFF2-40B4-BE49-F238E27FC236}">
+                <a16:creationId xmlns:a16="http://schemas.microsoft.com/office/drawing/2014/main" id="{5A33B674-8896-3149-9DC8-CA0FE6CC436F}"/>
+              </a:ext>
+            </a:extLst>
+          </p:cNvPr>
+          <p:cNvSpPr/>
+          <p:nvPr/>
+        </p:nvSpPr>
+        <p:spPr>
+          <a:xfrm rot="16200000">
+            <a:off x="6997661" y="4547722"/>
+            <a:ext cx="193914" cy="290170"/>
+          </a:xfrm>
+          <a:prstGeom prst="downArrow">
+            <a:avLst/>
+          </a:prstGeom>
+          <a:solidFill>
+            <a:schemeClr val="bg1"/>
+          </a:solidFill>
+          <a:ln w="12700">
+            <a:solidFill>
+              <a:schemeClr val="tx1"/>
+            </a:solidFill>
+            <a:prstDash val="sysDash"/>
+          </a:ln>
+        </p:spPr>
+        <p:style>
+          <a:lnRef idx="2">
+            <a:schemeClr val="accent1">
+              <a:shade val="50000"/>
+            </a:schemeClr>
+          </a:lnRef>
+          <a:fillRef idx="1">
+            <a:schemeClr val="accent1"/>
+          </a:fillRef>
+          <a:effectRef idx="0">
+            <a:schemeClr val="accent1"/>
+          </a:effectRef>
+          <a:fontRef idx="minor">
+            <a:schemeClr val="lt1"/>
+          </a:fontRef>
+        </p:style>
+        <p:txBody>
+          <a:bodyPr rtlCol="0" anchor="ctr"/>
+          <a:lstStyle/>
+          <a:p>
+            <a:pPr algn="ctr"/>
+            <a:endParaRPr kumimoji="1" lang="zh-TW" altLang="en-US" sz="1200" dirty="0"/>
+          </a:p>
+        </p:txBody>
+      </p:sp>
+      <p:sp>
+        <p:nvSpPr>
+          <p:cNvPr id="40" name="向下箭號 31">
+            <a:extLst>
+              <a:ext uri="{FF2B5EF4-FFF2-40B4-BE49-F238E27FC236}">
+                <a16:creationId xmlns:a16="http://schemas.microsoft.com/office/drawing/2014/main" id="{E0B42ED5-2DDA-7A43-9815-B574103C6A63}"/>
+              </a:ext>
+            </a:extLst>
+          </p:cNvPr>
+          <p:cNvSpPr/>
+          <p:nvPr/>
+        </p:nvSpPr>
+        <p:spPr>
+          <a:xfrm rot="16200000">
+            <a:off x="6997660" y="4911332"/>
+            <a:ext cx="193913" cy="290172"/>
+          </a:xfrm>
+          <a:prstGeom prst="downArrow">
+            <a:avLst/>
+          </a:prstGeom>
+          <a:pattFill prst="dkUpDiag">
+            <a:fgClr>
+              <a:schemeClr val="tx1"/>
+            </a:fgClr>
+            <a:bgClr>
+              <a:schemeClr val="bg1"/>
+            </a:bgClr>
+          </a:pattFill>
           <a:ln>
             <a:solidFill>
               <a:schemeClr val="tx1"/>
@@ -4411,16 +4251,98 @@
           <a:lstStyle/>
           <a:p>
             <a:pPr algn="ctr"/>
-            <a:endParaRPr kumimoji="1" lang="zh-TW" altLang="en-US"/>
-          </a:p>
-        </p:txBody>
-      </p:sp>
-      <p:sp>
-        <p:nvSpPr>
-          <p:cNvPr id="47" name="向下箭號 46">
-            <a:extLst>
-              <a:ext uri="{FF2B5EF4-FFF2-40B4-BE49-F238E27FC236}">
-                <a16:creationId xmlns:a16="http://schemas.microsoft.com/office/drawing/2014/main" id="{769EF34C-75B9-584D-B07A-52822FC8288C}"/>
+            <a:endParaRPr kumimoji="1" lang="zh-TW" altLang="en-US" sz="1200"/>
+          </a:p>
+        </p:txBody>
+      </p:sp>
+      <p:sp>
+        <p:nvSpPr>
+          <p:cNvPr id="2" name="TextBox 1">
+            <a:extLst>
+              <a:ext uri="{FF2B5EF4-FFF2-40B4-BE49-F238E27FC236}">
+                <a16:creationId xmlns:a16="http://schemas.microsoft.com/office/drawing/2014/main" id="{A1F5B33A-D96B-9D4A-9061-9C1B2C5C96E3}"/>
+              </a:ext>
+            </a:extLst>
+          </p:cNvPr>
+          <p:cNvSpPr txBox="1"/>
+          <p:nvPr/>
+        </p:nvSpPr>
+        <p:spPr>
+          <a:xfrm>
+            <a:off x="7120769" y="4541965"/>
+            <a:ext cx="1125271" cy="261610"/>
+          </a:xfrm>
+          <a:prstGeom prst="rect">
+            <a:avLst/>
+          </a:prstGeom>
+          <a:noFill/>
+        </p:spPr>
+        <p:txBody>
+          <a:bodyPr wrap="square" rtlCol="0">
+            <a:spAutoFit/>
+          </a:bodyPr>
+          <a:lstStyle/>
+          <a:p>
+            <a:pPr algn="ctr"/>
+            <a:r>
+              <a:rPr lang="en-US" sz="1100" dirty="0">
+                <a:latin typeface="SimSong" panose="02020300000000000000" pitchFamily="18" charset="-122"/>
+                <a:ea typeface="SimSong" panose="02020300000000000000" pitchFamily="18" charset="-122"/>
+              </a:rPr>
+              <a:t>政策扩散</a:t>
+            </a:r>
+          </a:p>
+        </p:txBody>
+      </p:sp>
+      <p:sp>
+        <p:nvSpPr>
+          <p:cNvPr id="50" name="TextBox 49">
+            <a:extLst>
+              <a:ext uri="{FF2B5EF4-FFF2-40B4-BE49-F238E27FC236}">
+                <a16:creationId xmlns:a16="http://schemas.microsoft.com/office/drawing/2014/main" id="{87741F27-2A8A-EA40-BBFE-3D40412D936A}"/>
+              </a:ext>
+            </a:extLst>
+          </p:cNvPr>
+          <p:cNvSpPr txBox="1"/>
+          <p:nvPr/>
+        </p:nvSpPr>
+        <p:spPr>
+          <a:xfrm>
+            <a:off x="7120768" y="4918650"/>
+            <a:ext cx="1125271" cy="261610"/>
+          </a:xfrm>
+          <a:prstGeom prst="rect">
+            <a:avLst/>
+          </a:prstGeom>
+          <a:noFill/>
+        </p:spPr>
+        <p:txBody>
+          <a:bodyPr wrap="square" rtlCol="0">
+            <a:spAutoFit/>
+          </a:bodyPr>
+          <a:lstStyle/>
+          <a:p>
+            <a:pPr algn="ctr"/>
+            <a:r>
+              <a:rPr lang="en-US" sz="1100" dirty="0" err="1">
+                <a:latin typeface="SimSong" panose="02020300000000000000" pitchFamily="18" charset="-122"/>
+                <a:ea typeface="SimSong" panose="02020300000000000000" pitchFamily="18" charset="-122"/>
+              </a:rPr>
+              <a:t>压力传输</a:t>
+            </a:r>
+            <a:endParaRPr lang="en-US" sz="1100" dirty="0">
+              <a:latin typeface="SimSong" panose="02020300000000000000" pitchFamily="18" charset="-122"/>
+              <a:ea typeface="SimSong" panose="02020300000000000000" pitchFamily="18" charset="-122"/>
+            </a:endParaRPr>
+          </a:p>
+        </p:txBody>
+      </p:sp>
+      <p:sp>
+        <p:nvSpPr>
+          <p:cNvPr id="34" name="向下箭號 30">
+            <a:extLst>
+              <a:ext uri="{FF2B5EF4-FFF2-40B4-BE49-F238E27FC236}">
+                <a16:creationId xmlns:a16="http://schemas.microsoft.com/office/drawing/2014/main" id="{972A6EE5-D8E2-9D47-98E1-73687D7AF5A4}"/>
               </a:ext>
             </a:extLst>
           </p:cNvPr>
@@ -4429,19 +4351,27 @@
         </p:nvSpPr>
         <p:spPr>
           <a:xfrm>
-            <a:off x="7120769" y="3706698"/>
-            <a:ext cx="363272" cy="337470"/>
+            <a:off x="5980442" y="1992412"/>
+            <a:ext cx="363272" cy="739832"/>
           </a:xfrm>
           <a:prstGeom prst="downArrow">
             <a:avLst/>
           </a:prstGeom>
-          <a:solidFill>
-            <a:schemeClr val="tx1"/>
-          </a:solidFill>
-          <a:ln>
+          <a:pattFill prst="dkUpDiag">
+            <a:fgClr>
+              <a:schemeClr val="bg2">
+                <a:lumMod val="25000"/>
+              </a:schemeClr>
+            </a:fgClr>
+            <a:bgClr>
+              <a:schemeClr val="bg1"/>
+            </a:bgClr>
+          </a:pattFill>
+          <a:ln w="31750">
             <a:solidFill>
               <a:schemeClr val="tx1"/>
             </a:solidFill>
+            <a:prstDash val="sysDash"/>
           </a:ln>
         </p:spPr>
         <p:style>
@@ -4465,10 +4395,592 @@
           <a:lstStyle/>
           <a:p>
             <a:pPr algn="ctr"/>
-            <a:endParaRPr kumimoji="1" lang="zh-TW" altLang="en-US"/>
-          </a:p>
-        </p:txBody>
-      </p:sp>
+            <a:endParaRPr kumimoji="1" lang="zh-TW" altLang="en-US" dirty="0"/>
+          </a:p>
+        </p:txBody>
+      </p:sp>
+      <p:sp>
+        <p:nvSpPr>
+          <p:cNvPr id="35" name="向下箭號 30">
+            <a:extLst>
+              <a:ext uri="{FF2B5EF4-FFF2-40B4-BE49-F238E27FC236}">
+                <a16:creationId xmlns:a16="http://schemas.microsoft.com/office/drawing/2014/main" id="{E131FC61-2A1C-0040-BD45-5237D0705469}"/>
+              </a:ext>
+            </a:extLst>
+          </p:cNvPr>
+          <p:cNvSpPr/>
+          <p:nvPr/>
+        </p:nvSpPr>
+        <p:spPr>
+          <a:xfrm rot="10800000">
+            <a:off x="3828950" y="4170747"/>
+            <a:ext cx="363272" cy="739832"/>
+          </a:xfrm>
+          <a:prstGeom prst="downArrow">
+            <a:avLst/>
+          </a:prstGeom>
+          <a:pattFill prst="dkUpDiag">
+            <a:fgClr>
+              <a:schemeClr val="bg2">
+                <a:lumMod val="25000"/>
+              </a:schemeClr>
+            </a:fgClr>
+            <a:bgClr>
+              <a:schemeClr val="bg1"/>
+            </a:bgClr>
+          </a:pattFill>
+          <a:ln w="31750">
+            <a:solidFill>
+              <a:schemeClr val="tx1"/>
+            </a:solidFill>
+            <a:prstDash val="sysDash"/>
+          </a:ln>
+        </p:spPr>
+        <p:style>
+          <a:lnRef idx="2">
+            <a:schemeClr val="accent1">
+              <a:shade val="50000"/>
+            </a:schemeClr>
+          </a:lnRef>
+          <a:fillRef idx="1">
+            <a:schemeClr val="accent1"/>
+          </a:fillRef>
+          <a:effectRef idx="0">
+            <a:schemeClr val="accent1"/>
+          </a:effectRef>
+          <a:fontRef idx="minor">
+            <a:schemeClr val="lt1"/>
+          </a:fontRef>
+        </p:style>
+        <p:txBody>
+          <a:bodyPr rtlCol="0" anchor="ctr"/>
+          <a:lstStyle/>
+          <a:p>
+            <a:pPr algn="ctr"/>
+            <a:endParaRPr kumimoji="1" lang="zh-TW" altLang="en-US" dirty="0"/>
+          </a:p>
+        </p:txBody>
+      </p:sp>
+      <p:sp>
+        <p:nvSpPr>
+          <p:cNvPr id="42" name="TextBox 41">
+            <a:extLst>
+              <a:ext uri="{FF2B5EF4-FFF2-40B4-BE49-F238E27FC236}">
+                <a16:creationId xmlns:a16="http://schemas.microsoft.com/office/drawing/2014/main" id="{BB5CF609-3F08-FF47-AF46-1CFE123F3DDC}"/>
+              </a:ext>
+            </a:extLst>
+          </p:cNvPr>
+          <p:cNvSpPr txBox="1"/>
+          <p:nvPr/>
+        </p:nvSpPr>
+        <p:spPr>
+          <a:xfrm>
+            <a:off x="7129157" y="5217548"/>
+            <a:ext cx="1125271" cy="261610"/>
+          </a:xfrm>
+          <a:prstGeom prst="rect">
+            <a:avLst/>
+          </a:prstGeom>
+          <a:noFill/>
+        </p:spPr>
+        <p:txBody>
+          <a:bodyPr wrap="square" rtlCol="0">
+            <a:spAutoFit/>
+          </a:bodyPr>
+          <a:lstStyle/>
+          <a:p>
+            <a:pPr algn="ctr"/>
+            <a:r>
+              <a:rPr lang="zh-CN" altLang="en-US" sz="1100" dirty="0">
+                <a:latin typeface="SimSong" panose="02020300000000000000" pitchFamily="18" charset="-122"/>
+                <a:ea typeface="SimSong" panose="02020300000000000000" pitchFamily="18" charset="-122"/>
+              </a:rPr>
+              <a:t>压力调节机制</a:t>
+            </a:r>
+            <a:endParaRPr lang="en-US" sz="1100" dirty="0">
+              <a:latin typeface="SimSong" panose="02020300000000000000" pitchFamily="18" charset="-122"/>
+              <a:ea typeface="SimSong" panose="02020300000000000000" pitchFamily="18" charset="-122"/>
+            </a:endParaRPr>
+          </a:p>
+        </p:txBody>
+      </p:sp>
+      <p:grpSp>
+        <p:nvGrpSpPr>
+          <p:cNvPr id="18" name="Group 17">
+            <a:extLst>
+              <a:ext uri="{FF2B5EF4-FFF2-40B4-BE49-F238E27FC236}">
+                <a16:creationId xmlns:a16="http://schemas.microsoft.com/office/drawing/2014/main" id="{5814FC23-FD2A-0E4D-8692-877BE5DFA746}"/>
+              </a:ext>
+            </a:extLst>
+          </p:cNvPr>
+          <p:cNvGrpSpPr/>
+          <p:nvPr/>
+        </p:nvGrpSpPr>
+        <p:grpSpPr>
+          <a:xfrm>
+            <a:off x="6793921" y="2846572"/>
+            <a:ext cx="1016966" cy="356117"/>
+            <a:chOff x="6793921" y="2871739"/>
+            <a:chExt cx="1016966" cy="356117"/>
+          </a:xfrm>
+        </p:grpSpPr>
+        <p:sp>
+          <p:nvSpPr>
+            <p:cNvPr id="5" name="Diamond 4">
+              <a:extLst>
+                <a:ext uri="{FF2B5EF4-FFF2-40B4-BE49-F238E27FC236}">
+                  <a16:creationId xmlns:a16="http://schemas.microsoft.com/office/drawing/2014/main" id="{B3949AD2-569B-AC45-956C-F0A270C8444A}"/>
+                </a:ext>
+              </a:extLst>
+            </p:cNvPr>
+            <p:cNvSpPr/>
+            <p:nvPr/>
+          </p:nvSpPr>
+          <p:spPr>
+            <a:xfrm>
+              <a:off x="6793921" y="2902954"/>
+              <a:ext cx="1016966" cy="296004"/>
+            </a:xfrm>
+            <a:prstGeom prst="diamond">
+              <a:avLst/>
+            </a:prstGeom>
+            <a:noFill/>
+            <a:ln w="38100">
+              <a:solidFill>
+                <a:srgbClr val="FF0000"/>
+              </a:solidFill>
+            </a:ln>
+          </p:spPr>
+          <p:style>
+            <a:lnRef idx="2">
+              <a:schemeClr val="accent1">
+                <a:shade val="50000"/>
+              </a:schemeClr>
+            </a:lnRef>
+            <a:fillRef idx="1">
+              <a:schemeClr val="accent1"/>
+            </a:fillRef>
+            <a:effectRef idx="0">
+              <a:schemeClr val="accent1"/>
+            </a:effectRef>
+            <a:fontRef idx="minor">
+              <a:schemeClr val="lt1"/>
+            </a:fontRef>
+          </p:style>
+          <p:txBody>
+            <a:bodyPr rtlCol="0" anchor="ctr"/>
+            <a:lstStyle/>
+            <a:p>
+              <a:pPr algn="ctr"/>
+              <a:endParaRPr lang="en-US"/>
+            </a:p>
+          </p:txBody>
+        </p:sp>
+        <p:cxnSp>
+          <p:nvCxnSpPr>
+            <p:cNvPr id="48" name="Straight Connector 47">
+              <a:extLst>
+                <a:ext uri="{FF2B5EF4-FFF2-40B4-BE49-F238E27FC236}">
+                  <a16:creationId xmlns:a16="http://schemas.microsoft.com/office/drawing/2014/main" id="{E6949CF5-AADE-3644-9693-FD23225F6EDB}"/>
+                </a:ext>
+              </a:extLst>
+            </p:cNvPr>
+            <p:cNvCxnSpPr>
+              <a:cxnSpLocks/>
+            </p:cNvCxnSpPr>
+            <p:nvPr/>
+          </p:nvCxnSpPr>
+          <p:spPr>
+            <a:xfrm>
+              <a:off x="7041809" y="3227856"/>
+              <a:ext cx="541839" cy="0"/>
+            </a:xfrm>
+            <a:prstGeom prst="line">
+              <a:avLst/>
+            </a:prstGeom>
+            <a:ln w="38100">
+              <a:solidFill>
+                <a:srgbClr val="FF0000"/>
+              </a:solidFill>
+            </a:ln>
+          </p:spPr>
+          <p:style>
+            <a:lnRef idx="1">
+              <a:schemeClr val="accent1"/>
+            </a:lnRef>
+            <a:fillRef idx="0">
+              <a:schemeClr val="accent1"/>
+            </a:fillRef>
+            <a:effectRef idx="0">
+              <a:schemeClr val="accent1"/>
+            </a:effectRef>
+            <a:fontRef idx="minor">
+              <a:schemeClr val="tx1"/>
+            </a:fontRef>
+          </p:style>
+        </p:cxnSp>
+        <p:cxnSp>
+          <p:nvCxnSpPr>
+            <p:cNvPr id="49" name="Straight Connector 48">
+              <a:extLst>
+                <a:ext uri="{FF2B5EF4-FFF2-40B4-BE49-F238E27FC236}">
+                  <a16:creationId xmlns:a16="http://schemas.microsoft.com/office/drawing/2014/main" id="{39D166AF-CFAE-4E4C-8AB0-44E23470CC15}"/>
+                </a:ext>
+              </a:extLst>
+            </p:cNvPr>
+            <p:cNvCxnSpPr>
+              <a:cxnSpLocks/>
+            </p:cNvCxnSpPr>
+            <p:nvPr/>
+          </p:nvCxnSpPr>
+          <p:spPr>
+            <a:xfrm>
+              <a:off x="7180976" y="2871739"/>
+              <a:ext cx="243281" cy="0"/>
+            </a:xfrm>
+            <a:prstGeom prst="line">
+              <a:avLst/>
+            </a:prstGeom>
+            <a:ln w="38100">
+              <a:solidFill>
+                <a:srgbClr val="FF0000"/>
+              </a:solidFill>
+            </a:ln>
+          </p:spPr>
+          <p:style>
+            <a:lnRef idx="1">
+              <a:schemeClr val="accent1"/>
+            </a:lnRef>
+            <a:fillRef idx="0">
+              <a:schemeClr val="accent1"/>
+            </a:fillRef>
+            <a:effectRef idx="0">
+              <a:schemeClr val="accent1"/>
+            </a:effectRef>
+            <a:fontRef idx="minor">
+              <a:schemeClr val="tx1"/>
+            </a:fontRef>
+          </p:style>
+        </p:cxnSp>
+      </p:grpSp>
+      <p:grpSp>
+        <p:nvGrpSpPr>
+          <p:cNvPr id="51" name="Group 50">
+            <a:extLst>
+              <a:ext uri="{FF2B5EF4-FFF2-40B4-BE49-F238E27FC236}">
+                <a16:creationId xmlns:a16="http://schemas.microsoft.com/office/drawing/2014/main" id="{1013B22E-5643-344D-8901-A3CA46115CA1}"/>
+              </a:ext>
+            </a:extLst>
+          </p:cNvPr>
+          <p:cNvGrpSpPr/>
+          <p:nvPr/>
+        </p:nvGrpSpPr>
+        <p:grpSpPr>
+          <a:xfrm rot="10800000">
+            <a:off x="6804245" y="3694953"/>
+            <a:ext cx="1016966" cy="356117"/>
+            <a:chOff x="6793921" y="2871739"/>
+            <a:chExt cx="1016966" cy="356117"/>
+          </a:xfrm>
+        </p:grpSpPr>
+        <p:sp>
+          <p:nvSpPr>
+            <p:cNvPr id="52" name="Diamond 51">
+              <a:extLst>
+                <a:ext uri="{FF2B5EF4-FFF2-40B4-BE49-F238E27FC236}">
+                  <a16:creationId xmlns:a16="http://schemas.microsoft.com/office/drawing/2014/main" id="{BE648C19-38A8-0647-91C8-93B981C9BC31}"/>
+                </a:ext>
+              </a:extLst>
+            </p:cNvPr>
+            <p:cNvSpPr/>
+            <p:nvPr/>
+          </p:nvSpPr>
+          <p:spPr>
+            <a:xfrm>
+              <a:off x="6793921" y="2902954"/>
+              <a:ext cx="1016966" cy="296004"/>
+            </a:xfrm>
+            <a:prstGeom prst="diamond">
+              <a:avLst/>
+            </a:prstGeom>
+            <a:noFill/>
+            <a:ln w="38100">
+              <a:solidFill>
+                <a:srgbClr val="FF0000"/>
+              </a:solidFill>
+            </a:ln>
+          </p:spPr>
+          <p:style>
+            <a:lnRef idx="2">
+              <a:schemeClr val="accent1">
+                <a:shade val="50000"/>
+              </a:schemeClr>
+            </a:lnRef>
+            <a:fillRef idx="1">
+              <a:schemeClr val="accent1"/>
+            </a:fillRef>
+            <a:effectRef idx="0">
+              <a:schemeClr val="accent1"/>
+            </a:effectRef>
+            <a:fontRef idx="minor">
+              <a:schemeClr val="lt1"/>
+            </a:fontRef>
+          </p:style>
+          <p:txBody>
+            <a:bodyPr rtlCol="0" anchor="ctr"/>
+            <a:lstStyle/>
+            <a:p>
+              <a:pPr algn="ctr"/>
+              <a:endParaRPr lang="en-US"/>
+            </a:p>
+          </p:txBody>
+        </p:sp>
+        <p:cxnSp>
+          <p:nvCxnSpPr>
+            <p:cNvPr id="53" name="Straight Connector 52">
+              <a:extLst>
+                <a:ext uri="{FF2B5EF4-FFF2-40B4-BE49-F238E27FC236}">
+                  <a16:creationId xmlns:a16="http://schemas.microsoft.com/office/drawing/2014/main" id="{64A3D3CF-8973-E64B-B54B-733FCB128F60}"/>
+                </a:ext>
+              </a:extLst>
+            </p:cNvPr>
+            <p:cNvCxnSpPr>
+              <a:cxnSpLocks/>
+            </p:cNvCxnSpPr>
+            <p:nvPr/>
+          </p:nvCxnSpPr>
+          <p:spPr>
+            <a:xfrm>
+              <a:off x="7041809" y="3227856"/>
+              <a:ext cx="541839" cy="0"/>
+            </a:xfrm>
+            <a:prstGeom prst="line">
+              <a:avLst/>
+            </a:prstGeom>
+            <a:ln w="38100">
+              <a:solidFill>
+                <a:srgbClr val="FF0000"/>
+              </a:solidFill>
+            </a:ln>
+          </p:spPr>
+          <p:style>
+            <a:lnRef idx="1">
+              <a:schemeClr val="accent1"/>
+            </a:lnRef>
+            <a:fillRef idx="0">
+              <a:schemeClr val="accent1"/>
+            </a:fillRef>
+            <a:effectRef idx="0">
+              <a:schemeClr val="accent1"/>
+            </a:effectRef>
+            <a:fontRef idx="minor">
+              <a:schemeClr val="tx1"/>
+            </a:fontRef>
+          </p:style>
+        </p:cxnSp>
+        <p:cxnSp>
+          <p:nvCxnSpPr>
+            <p:cNvPr id="54" name="Straight Connector 53">
+              <a:extLst>
+                <a:ext uri="{FF2B5EF4-FFF2-40B4-BE49-F238E27FC236}">
+                  <a16:creationId xmlns:a16="http://schemas.microsoft.com/office/drawing/2014/main" id="{4F9C63BE-D21C-C840-AEAA-95A37E935BDB}"/>
+                </a:ext>
+              </a:extLst>
+            </p:cNvPr>
+            <p:cNvCxnSpPr>
+              <a:cxnSpLocks/>
+            </p:cNvCxnSpPr>
+            <p:nvPr/>
+          </p:nvCxnSpPr>
+          <p:spPr>
+            <a:xfrm>
+              <a:off x="7180976" y="2871739"/>
+              <a:ext cx="243281" cy="0"/>
+            </a:xfrm>
+            <a:prstGeom prst="line">
+              <a:avLst/>
+            </a:prstGeom>
+            <a:ln w="38100">
+              <a:solidFill>
+                <a:srgbClr val="FF0000"/>
+              </a:solidFill>
+            </a:ln>
+          </p:spPr>
+          <p:style>
+            <a:lnRef idx="1">
+              <a:schemeClr val="accent1"/>
+            </a:lnRef>
+            <a:fillRef idx="0">
+              <a:schemeClr val="accent1"/>
+            </a:fillRef>
+            <a:effectRef idx="0">
+              <a:schemeClr val="accent1"/>
+            </a:effectRef>
+            <a:fontRef idx="minor">
+              <a:schemeClr val="tx1"/>
+            </a:fontRef>
+          </p:style>
+        </p:cxnSp>
+      </p:grpSp>
+      <p:grpSp>
+        <p:nvGrpSpPr>
+          <p:cNvPr id="55" name="Group 54">
+            <a:extLst>
+              <a:ext uri="{FF2B5EF4-FFF2-40B4-BE49-F238E27FC236}">
+                <a16:creationId xmlns:a16="http://schemas.microsoft.com/office/drawing/2014/main" id="{FCE8D27B-C889-6F4F-98E8-0E664462CFF6}"/>
+              </a:ext>
+            </a:extLst>
+          </p:cNvPr>
+          <p:cNvGrpSpPr/>
+          <p:nvPr/>
+        </p:nvGrpSpPr>
+        <p:grpSpPr>
+          <a:xfrm>
+            <a:off x="6959556" y="5269140"/>
+            <a:ext cx="231229" cy="130804"/>
+            <a:chOff x="6793921" y="2871739"/>
+            <a:chExt cx="1016966" cy="356117"/>
+          </a:xfrm>
+        </p:grpSpPr>
+        <p:sp>
+          <p:nvSpPr>
+            <p:cNvPr id="56" name="Diamond 55">
+              <a:extLst>
+                <a:ext uri="{FF2B5EF4-FFF2-40B4-BE49-F238E27FC236}">
+                  <a16:creationId xmlns:a16="http://schemas.microsoft.com/office/drawing/2014/main" id="{BD5B6C80-FB16-2849-A24C-0042010DA2B1}"/>
+                </a:ext>
+              </a:extLst>
+            </p:cNvPr>
+            <p:cNvSpPr/>
+            <p:nvPr/>
+          </p:nvSpPr>
+          <p:spPr>
+            <a:xfrm>
+              <a:off x="6793921" y="2902954"/>
+              <a:ext cx="1016966" cy="296004"/>
+            </a:xfrm>
+            <a:prstGeom prst="diamond">
+              <a:avLst/>
+            </a:prstGeom>
+            <a:noFill/>
+            <a:ln w="25400">
+              <a:solidFill>
+                <a:schemeClr val="tx1"/>
+              </a:solidFill>
+            </a:ln>
+          </p:spPr>
+          <p:style>
+            <a:lnRef idx="2">
+              <a:schemeClr val="accent1">
+                <a:shade val="50000"/>
+              </a:schemeClr>
+            </a:lnRef>
+            <a:fillRef idx="1">
+              <a:schemeClr val="accent1"/>
+            </a:fillRef>
+            <a:effectRef idx="0">
+              <a:schemeClr val="accent1"/>
+            </a:effectRef>
+            <a:fontRef idx="minor">
+              <a:schemeClr val="lt1"/>
+            </a:fontRef>
+          </p:style>
+          <p:txBody>
+            <a:bodyPr rtlCol="0" anchor="ctr"/>
+            <a:lstStyle/>
+            <a:p>
+              <a:pPr algn="ctr"/>
+              <a:endParaRPr lang="en-US"/>
+            </a:p>
+          </p:txBody>
+        </p:sp>
+        <p:cxnSp>
+          <p:nvCxnSpPr>
+            <p:cNvPr id="57" name="Straight Connector 56">
+              <a:extLst>
+                <a:ext uri="{FF2B5EF4-FFF2-40B4-BE49-F238E27FC236}">
+                  <a16:creationId xmlns:a16="http://schemas.microsoft.com/office/drawing/2014/main" id="{B0633E70-F390-6E4E-AEFE-1A9C58A86120}"/>
+                </a:ext>
+              </a:extLst>
+            </p:cNvPr>
+            <p:cNvCxnSpPr>
+              <a:cxnSpLocks/>
+            </p:cNvCxnSpPr>
+            <p:nvPr/>
+          </p:nvCxnSpPr>
+          <p:spPr>
+            <a:xfrm>
+              <a:off x="7041809" y="3227856"/>
+              <a:ext cx="541839" cy="0"/>
+            </a:xfrm>
+            <a:prstGeom prst="line">
+              <a:avLst/>
+            </a:prstGeom>
+            <a:ln w="25400">
+              <a:solidFill>
+                <a:schemeClr val="tx1"/>
+              </a:solidFill>
+            </a:ln>
+          </p:spPr>
+          <p:style>
+            <a:lnRef idx="1">
+              <a:schemeClr val="accent1"/>
+            </a:lnRef>
+            <a:fillRef idx="0">
+              <a:schemeClr val="accent1"/>
+            </a:fillRef>
+            <a:effectRef idx="0">
+              <a:schemeClr val="accent1"/>
+            </a:effectRef>
+            <a:fontRef idx="minor">
+              <a:schemeClr val="tx1"/>
+            </a:fontRef>
+          </p:style>
+        </p:cxnSp>
+        <p:cxnSp>
+          <p:nvCxnSpPr>
+            <p:cNvPr id="58" name="Straight Connector 57">
+              <a:extLst>
+                <a:ext uri="{FF2B5EF4-FFF2-40B4-BE49-F238E27FC236}">
+                  <a16:creationId xmlns:a16="http://schemas.microsoft.com/office/drawing/2014/main" id="{531D6904-9B49-7740-B898-13F572161B48}"/>
+                </a:ext>
+              </a:extLst>
+            </p:cNvPr>
+            <p:cNvCxnSpPr>
+              <a:cxnSpLocks/>
+            </p:cNvCxnSpPr>
+            <p:nvPr/>
+          </p:nvCxnSpPr>
+          <p:spPr>
+            <a:xfrm>
+              <a:off x="7180976" y="2871739"/>
+              <a:ext cx="243281" cy="0"/>
+            </a:xfrm>
+            <a:prstGeom prst="line">
+              <a:avLst/>
+            </a:prstGeom>
+            <a:ln w="25400">
+              <a:solidFill>
+                <a:schemeClr val="tx1"/>
+              </a:solidFill>
+            </a:ln>
+          </p:spPr>
+          <p:style>
+            <a:lnRef idx="1">
+              <a:schemeClr val="accent1"/>
+            </a:lnRef>
+            <a:fillRef idx="0">
+              <a:schemeClr val="accent1"/>
+            </a:fillRef>
+            <a:effectRef idx="0">
+              <a:schemeClr val="accent1"/>
+            </a:effectRef>
+            <a:fontRef idx="minor">
+              <a:schemeClr val="tx1"/>
+            </a:fontRef>
+          </p:style>
+        </p:cxnSp>
+      </p:grpSp>
     </p:spTree>
     <p:extLst>
       <p:ext uri="{BB962C8B-B14F-4D97-AF65-F5344CB8AC3E}">
